--- a/doc/documentation (HTML).pptx
+++ b/doc/documentation (HTML).pptx
@@ -110,6 +110,11 @@
       </a:defRPr>
     </a:lvl9pPr>
   </p:defaultTextStyle>
+  <p:extLst>
+    <p:ext uri="{EFAFB233-063F-42B5-8137-9DF3F51BA10A}">
+      <p15:sldGuideLst xmlns:p15="http://schemas.microsoft.com/office/powerpoint/2012/main"/>
+    </p:ext>
+  </p:extLst>
 </p:presentation>
 </file>
 
@@ -3921,7 +3926,7 @@
         <p:spPr>
           <a:xfrm>
             <a:off x="838201" y="1513861"/>
-            <a:ext cx="5257800" cy="1077218"/>
+            <a:ext cx="5257800" cy="1569660"/>
           </a:xfrm>
           <a:prstGeom prst="rect">
             <a:avLst/>
@@ -3936,7 +3941,37 @@
           <a:p>
             <a:r>
               <a:rPr lang="en-US" sz="1600" dirty="0"/>
-              <a:t>CREATE TABLE `user` (  `username` varchar(45) NOT NULL,  `password` varchar(45) NOT NULL,  `id` int NOT NULL AUTO_INCREMENT,  PRIMARY KEY (`id`),  UNIQUE KEY `</a:t>
+              <a:t>CREATE TABLE `user` ( </a:t>
+            </a:r>
+          </a:p>
+          <a:p>
+            <a:r>
+              <a:rPr lang="en-US" sz="1600" dirty="0"/>
+              <a:t>`username` varchar(45) NOT NULL,  </a:t>
+            </a:r>
+          </a:p>
+          <a:p>
+            <a:r>
+              <a:rPr lang="en-US" sz="1600" dirty="0"/>
+              <a:t>`password` varchar(45) NOT NULL,  </a:t>
+            </a:r>
+          </a:p>
+          <a:p>
+            <a:r>
+              <a:rPr lang="en-US" sz="1600" dirty="0"/>
+              <a:t>`id` int NOT NULL AUTO_INCREMENT,  </a:t>
+            </a:r>
+          </a:p>
+          <a:p>
+            <a:r>
+              <a:rPr lang="en-US" sz="1600" dirty="0"/>
+              <a:t>PRIMARY KEY (`id`),  </a:t>
+            </a:r>
+          </a:p>
+          <a:p>
+            <a:r>
+              <a:rPr lang="en-US" sz="1600" dirty="0"/>
+              <a:t>UNIQUE KEY `</a:t>
             </a:r>
             <a:r>
               <a:rPr lang="en-US" sz="1600" dirty="0" err="1"/>
@@ -3963,8 +3998,8 @@
         </p:nvSpPr>
         <p:spPr>
           <a:xfrm>
-            <a:off x="838200" y="3056988"/>
-            <a:ext cx="5257800" cy="2062103"/>
+            <a:off x="6095999" y="1513861"/>
+            <a:ext cx="5257800" cy="3539430"/>
           </a:xfrm>
           <a:prstGeom prst="rect">
             <a:avLst/>
@@ -3979,7 +4014,49 @@
           <a:p>
             <a:r>
               <a:rPr lang="en-US" sz="1600" dirty="0"/>
-              <a:t>CREATE TABLE `song` (  `id` int NOT NULL AUTO_INCREMENT,  `title` varchar(45) DEFAULT NULL,  `artist` varchar(45) DEFAULT NULL,  `album` varchar(45) DEFAULT NULL,  `genre` varchar(45) DEFAULT NULL,  `year` int DEFAULT NULL,  `</a:t>
+              <a:t>CREATE TABLE `song` (  </a:t>
+            </a:r>
+          </a:p>
+          <a:p>
+            <a:r>
+              <a:rPr lang="en-US" sz="1600" dirty="0"/>
+              <a:t>`id` int NOT NULL AUTO_INCREMENT,  </a:t>
+            </a:r>
+          </a:p>
+          <a:p>
+            <a:r>
+              <a:rPr lang="en-US" sz="1600" dirty="0"/>
+              <a:t>`title` varchar(45) DEFAULT NULL,  </a:t>
+            </a:r>
+          </a:p>
+          <a:p>
+            <a:r>
+              <a:rPr lang="en-US" sz="1600" dirty="0"/>
+              <a:t>`artist` varchar(45) DEFAULT NULL,  </a:t>
+            </a:r>
+          </a:p>
+          <a:p>
+            <a:r>
+              <a:rPr lang="en-US" sz="1600" dirty="0"/>
+              <a:t>`album` varchar(45) DEFAULT NULL,  </a:t>
+            </a:r>
+          </a:p>
+          <a:p>
+            <a:r>
+              <a:rPr lang="en-US" sz="1600" dirty="0"/>
+              <a:t>`genre` varchar(45) DEFAULT NULL, </a:t>
+            </a:r>
+          </a:p>
+          <a:p>
+            <a:r>
+              <a:rPr lang="en-US" sz="1600" dirty="0"/>
+              <a:t> `year` int DEFAULT NULL,  </a:t>
+            </a:r>
+          </a:p>
+          <a:p>
+            <a:r>
+              <a:rPr lang="en-US" sz="1600" dirty="0"/>
+              <a:t>`</a:t>
             </a:r>
             <a:r>
               <a:rPr lang="en-US" sz="1600" dirty="0" err="1"/>
@@ -3987,7 +4064,13 @@
             </a:r>
             <a:r>
               <a:rPr lang="en-US" sz="1600" dirty="0"/>
-              <a:t>` int DEFAULT NULL,  `audio` </a:t>
+              <a:t>` int DEFAULT NULL, </a:t>
+            </a:r>
+          </a:p>
+          <a:p>
+            <a:r>
+              <a:rPr lang="en-US" sz="1600" dirty="0"/>
+              <a:t> `audio` </a:t>
             </a:r>
             <a:r>
               <a:rPr lang="en-US" sz="1600" dirty="0" err="1"/>
@@ -3995,7 +4078,13 @@
             </a:r>
             <a:r>
               <a:rPr lang="en-US" sz="1600" dirty="0"/>
-              <a:t>,  `image` </a:t>
+              <a:t>,  </a:t>
+            </a:r>
+          </a:p>
+          <a:p>
+            <a:r>
+              <a:rPr lang="en-US" sz="1600" dirty="0"/>
+              <a:t>`image` </a:t>
             </a:r>
             <a:r>
               <a:rPr lang="en-US" sz="1600" dirty="0" err="1"/>
@@ -4003,7 +4092,19 @@
             </a:r>
             <a:r>
               <a:rPr lang="en-US" sz="1600" dirty="0"/>
-              <a:t>,  PRIMARY KEY (`id`),  KEY `</a:t>
+              <a:t>,  </a:t>
+            </a:r>
+          </a:p>
+          <a:p>
+            <a:r>
+              <a:rPr lang="en-US" sz="1600" dirty="0"/>
+              <a:t>PRIMARY KEY (`id`),  </a:t>
+            </a:r>
+          </a:p>
+          <a:p>
+            <a:r>
+              <a:rPr lang="en-US" sz="1600" dirty="0"/>
+              <a:t>KEY `</a:t>
             </a:r>
             <a:r>
               <a:rPr lang="en-US" sz="1600" dirty="0" err="1"/>
@@ -4019,7 +4120,13 @@
             </a:r>
             <a:r>
               <a:rPr lang="en-US" sz="1600" dirty="0"/>
-              <a:t>`),  CONSTRAINT `owner` FOREIGN KEY (`</a:t>
+              <a:t>`),  </a:t>
+            </a:r>
+          </a:p>
+          <a:p>
+            <a:r>
+              <a:rPr lang="en-US" sz="1600" dirty="0"/>
+              <a:t>CONSTRAINT `owner` FOREIGN KEY (`</a:t>
             </a:r>
             <a:r>
               <a:rPr lang="en-US" sz="1600" dirty="0" err="1"/>
@@ -4046,8 +4153,8 @@
         </p:nvSpPr>
         <p:spPr>
           <a:xfrm>
-            <a:off x="6325298" y="1513861"/>
-            <a:ext cx="5752751" cy="830997"/>
+            <a:off x="838200" y="3275549"/>
+            <a:ext cx="5752751" cy="1569660"/>
           </a:xfrm>
           <a:prstGeom prst="rect">
             <a:avLst/>
@@ -4062,7 +4169,19 @@
           <a:p>
             <a:r>
               <a:rPr lang="en-US" sz="1600" dirty="0"/>
-              <a:t>CREATE TABLE `playlist` (  `id` int NOT NULL AUTO_INCREMENT,  `</a:t>
+              <a:t>CREATE TABLE `playlist` (  </a:t>
+            </a:r>
+          </a:p>
+          <a:p>
+            <a:r>
+              <a:rPr lang="en-US" sz="1600" dirty="0"/>
+              <a:t>`id` int NOT NULL AUTO_INCREMENT,  </a:t>
+            </a:r>
+          </a:p>
+          <a:p>
+            <a:r>
+              <a:rPr lang="en-US" sz="1600" dirty="0"/>
+              <a:t>`</a:t>
             </a:r>
             <a:r>
               <a:rPr lang="en-US" sz="1600" dirty="0" err="1"/>
@@ -4070,7 +4189,25 @@
             </a:r>
             <a:r>
               <a:rPr lang="en-US" sz="1600" dirty="0"/>
-              <a:t>` int NOT NULL,  `name` varchar(45) NOT NULL,  `date` date NOT NULL,  PRIMARY KEY (`id`))</a:t>
+              <a:t>` int NOT NULL, </a:t>
+            </a:r>
+          </a:p>
+          <a:p>
+            <a:r>
+              <a:rPr lang="en-US" sz="1600" dirty="0"/>
+              <a:t>`name` varchar(45) NOT NULL,  </a:t>
+            </a:r>
+          </a:p>
+          <a:p>
+            <a:r>
+              <a:rPr lang="en-US" sz="1600" dirty="0"/>
+              <a:t>`date` date NOT NULL,  </a:t>
+            </a:r>
+          </a:p>
+          <a:p>
+            <a:r>
+              <a:rPr lang="en-US" sz="1600" dirty="0"/>
+              <a:t>PRIMARY KEY (`id`))</a:t>
             </a:r>
           </a:p>
         </p:txBody>
@@ -4089,8 +4226,8 @@
         </p:nvSpPr>
         <p:spPr>
           <a:xfrm>
-            <a:off x="6325298" y="3018438"/>
-            <a:ext cx="5117285" cy="830997"/>
+            <a:off x="838200" y="5075822"/>
+            <a:ext cx="5117285" cy="1077218"/>
           </a:xfrm>
           <a:prstGeom prst="rect">
             <a:avLst/>
@@ -4113,7 +4250,13 @@
             </a:r>
             <a:r>
               <a:rPr lang="en-US" sz="1600" dirty="0"/>
-              <a:t>` (  `</a:t>
+              <a:t>` (  </a:t>
+            </a:r>
+          </a:p>
+          <a:p>
+            <a:r>
+              <a:rPr lang="en-US" sz="1600" dirty="0"/>
+              <a:t>`</a:t>
             </a:r>
             <a:r>
               <a:rPr lang="en-US" sz="1600" dirty="0" err="1"/>
@@ -4121,7 +4264,13 @@
             </a:r>
             <a:r>
               <a:rPr lang="en-US" sz="1600" dirty="0"/>
-              <a:t>` int NOT NULL,  `</a:t>
+              <a:t>` int NOT NULL,  </a:t>
+            </a:r>
+          </a:p>
+          <a:p>
+            <a:r>
+              <a:rPr lang="en-US" sz="1600" dirty="0"/>
+              <a:t>`</a:t>
             </a:r>
             <a:r>
               <a:rPr lang="en-US" sz="1600" dirty="0" err="1"/>
@@ -4129,7 +4278,13 @@
             </a:r>
             <a:r>
               <a:rPr lang="en-US" sz="1600" dirty="0"/>
-              <a:t>` int NOT NULL,  PRIMARY KEY (`song_id`,`</a:t>
+              <a:t>` int NOT NULL, </a:t>
+            </a:r>
+          </a:p>
+          <a:p>
+            <a:r>
+              <a:rPr lang="en-US" sz="1600" dirty="0"/>
+              <a:t> PRIMARY KEY (`song_id`,`</a:t>
             </a:r>
             <a:r>
               <a:rPr lang="en-US" sz="1600" dirty="0" err="1"/>

--- a/doc/documentation (HTML).pptx
+++ b/doc/documentation (HTML).pptx
@@ -12,6 +12,11 @@
     <p:sldId id="260" r:id="rId6"/>
     <p:sldId id="261" r:id="rId7"/>
     <p:sldId id="262" r:id="rId8"/>
+    <p:sldId id="263" r:id="rId9"/>
+    <p:sldId id="264" r:id="rId10"/>
+    <p:sldId id="265" r:id="rId11"/>
+    <p:sldId id="266" r:id="rId12"/>
+    <p:sldId id="267" r:id="rId13"/>
   </p:sldIdLst>
   <p:sldSz cx="12192000" cy="6858000"/>
   <p:notesSz cx="6858000" cy="9144000"/>
@@ -267,7 +272,7 @@
           <a:p>
             <a:fld id="{041AB95B-B053-4E3B-84BF-9C3BE63D770B}" type="datetimeFigureOut">
               <a:rPr lang="en-US" smtClean="0"/>
-              <a:t>7/13/2021</a:t>
+              <a:t>7/18/2021</a:t>
             </a:fld>
             <a:endParaRPr lang="en-US"/>
           </a:p>
@@ -467,7 +472,7 @@
           <a:p>
             <a:fld id="{041AB95B-B053-4E3B-84BF-9C3BE63D770B}" type="datetimeFigureOut">
               <a:rPr lang="en-US" smtClean="0"/>
-              <a:t>7/13/2021</a:t>
+              <a:t>7/18/2021</a:t>
             </a:fld>
             <a:endParaRPr lang="en-US"/>
           </a:p>
@@ -677,7 +682,7 @@
           <a:p>
             <a:fld id="{041AB95B-B053-4E3B-84BF-9C3BE63D770B}" type="datetimeFigureOut">
               <a:rPr lang="en-US" smtClean="0"/>
-              <a:t>7/13/2021</a:t>
+              <a:t>7/18/2021</a:t>
             </a:fld>
             <a:endParaRPr lang="en-US"/>
           </a:p>
@@ -877,7 +882,7 @@
           <a:p>
             <a:fld id="{041AB95B-B053-4E3B-84BF-9C3BE63D770B}" type="datetimeFigureOut">
               <a:rPr lang="en-US" smtClean="0"/>
-              <a:t>7/13/2021</a:t>
+              <a:t>7/18/2021</a:t>
             </a:fld>
             <a:endParaRPr lang="en-US"/>
           </a:p>
@@ -1153,7 +1158,7 @@
           <a:p>
             <a:fld id="{041AB95B-B053-4E3B-84BF-9C3BE63D770B}" type="datetimeFigureOut">
               <a:rPr lang="en-US" smtClean="0"/>
-              <a:t>7/13/2021</a:t>
+              <a:t>7/18/2021</a:t>
             </a:fld>
             <a:endParaRPr lang="en-US"/>
           </a:p>
@@ -1421,7 +1426,7 @@
           <a:p>
             <a:fld id="{041AB95B-B053-4E3B-84BF-9C3BE63D770B}" type="datetimeFigureOut">
               <a:rPr lang="en-US" smtClean="0"/>
-              <a:t>7/13/2021</a:t>
+              <a:t>7/18/2021</a:t>
             </a:fld>
             <a:endParaRPr lang="en-US"/>
           </a:p>
@@ -1836,7 +1841,7 @@
           <a:p>
             <a:fld id="{041AB95B-B053-4E3B-84BF-9C3BE63D770B}" type="datetimeFigureOut">
               <a:rPr lang="en-US" smtClean="0"/>
-              <a:t>7/13/2021</a:t>
+              <a:t>7/18/2021</a:t>
             </a:fld>
             <a:endParaRPr lang="en-US"/>
           </a:p>
@@ -1978,7 +1983,7 @@
           <a:p>
             <a:fld id="{041AB95B-B053-4E3B-84BF-9C3BE63D770B}" type="datetimeFigureOut">
               <a:rPr lang="en-US" smtClean="0"/>
-              <a:t>7/13/2021</a:t>
+              <a:t>7/18/2021</a:t>
             </a:fld>
             <a:endParaRPr lang="en-US"/>
           </a:p>
@@ -2091,7 +2096,7 @@
           <a:p>
             <a:fld id="{041AB95B-B053-4E3B-84BF-9C3BE63D770B}" type="datetimeFigureOut">
               <a:rPr lang="en-US" smtClean="0"/>
-              <a:t>7/13/2021</a:t>
+              <a:t>7/18/2021</a:t>
             </a:fld>
             <a:endParaRPr lang="en-US"/>
           </a:p>
@@ -2404,7 +2409,7 @@
           <a:p>
             <a:fld id="{041AB95B-B053-4E3B-84BF-9C3BE63D770B}" type="datetimeFigureOut">
               <a:rPr lang="en-US" smtClean="0"/>
-              <a:t>7/13/2021</a:t>
+              <a:t>7/18/2021</a:t>
             </a:fld>
             <a:endParaRPr lang="en-US"/>
           </a:p>
@@ -2693,7 +2698,7 @@
           <a:p>
             <a:fld id="{041AB95B-B053-4E3B-84BF-9C3BE63D770B}" type="datetimeFigureOut">
               <a:rPr lang="en-US" smtClean="0"/>
-              <a:t>7/13/2021</a:t>
+              <a:t>7/18/2021</a:t>
             </a:fld>
             <a:endParaRPr lang="en-US"/>
           </a:p>
@@ -2936,7 +2941,7 @@
           <a:p>
             <a:fld id="{041AB95B-B053-4E3B-84BF-9C3BE63D770B}" type="datetimeFigureOut">
               <a:rPr lang="en-US" smtClean="0"/>
-              <a:t>7/13/2021</a:t>
+              <a:t>7/18/2021</a:t>
             </a:fld>
             <a:endParaRPr lang="en-US"/>
           </a:p>
@@ -3426,6 +3431,342 @@
 </p:sld>
 </file>
 
+<file path=ppt/slides/slide10.xml><?xml version="1.0" encoding="utf-8"?>
+<p:sld xmlns:a="http://schemas.openxmlformats.org/drawingml/2006/main" xmlns:r="http://schemas.openxmlformats.org/officeDocument/2006/relationships" xmlns:p="http://schemas.openxmlformats.org/presentationml/2006/main">
+  <p:cSld>
+    <p:spTree>
+      <p:nvGrpSpPr>
+        <p:cNvPr id="1" name=""/>
+        <p:cNvGrpSpPr/>
+        <p:nvPr/>
+      </p:nvGrpSpPr>
+      <p:grpSpPr>
+        <a:xfrm>
+          <a:off x="0" y="0"/>
+          <a:ext cx="0" cy="0"/>
+          <a:chOff x="0" y="0"/>
+          <a:chExt cx="0" cy="0"/>
+        </a:xfrm>
+      </p:grpSpPr>
+      <p:sp>
+        <p:nvSpPr>
+          <p:cNvPr id="4" name="Titolo 1">
+            <a:extLst>
+              <a:ext uri="{FF2B5EF4-FFF2-40B4-BE49-F238E27FC236}">
+                <a16:creationId xmlns:a16="http://schemas.microsoft.com/office/drawing/2014/main" id="{AF9EC257-D141-4517-92EB-FE15B4CB7A4B}"/>
+              </a:ext>
+            </a:extLst>
+          </p:cNvPr>
+          <p:cNvSpPr>
+            <a:spLocks noGrp="1"/>
+          </p:cNvSpPr>
+          <p:nvPr>
+            <p:ph type="title"/>
+          </p:nvPr>
+        </p:nvSpPr>
+        <p:spPr>
+          <a:xfrm>
+            <a:off x="838200" y="365125"/>
+            <a:ext cx="10515600" cy="717055"/>
+          </a:xfrm>
+        </p:spPr>
+        <p:txBody>
+          <a:bodyPr/>
+          <a:lstStyle/>
+          <a:p>
+            <a:r>
+              <a:rPr lang="en-US" dirty="0"/>
+              <a:t>Sequence diagram: </a:t>
+            </a:r>
+            <a:r>
+              <a:rPr lang="en-US" dirty="0" err="1"/>
+              <a:t>vai</a:t>
+            </a:r>
+            <a:r>
+              <a:rPr lang="en-US" dirty="0"/>
+              <a:t> al player audio</a:t>
+            </a:r>
+          </a:p>
+        </p:txBody>
+      </p:sp>
+      <p:pic>
+        <p:nvPicPr>
+          <p:cNvPr id="7" name="Immagine 6">
+            <a:extLst>
+              <a:ext uri="{FF2B5EF4-FFF2-40B4-BE49-F238E27FC236}">
+                <a16:creationId xmlns:a16="http://schemas.microsoft.com/office/drawing/2014/main" id="{4D8959D9-D7B8-44C1-B1BC-E673E5274FCA}"/>
+              </a:ext>
+            </a:extLst>
+          </p:cNvPr>
+          <p:cNvPicPr>
+            <a:picLocks noChangeAspect="1"/>
+          </p:cNvPicPr>
+          <p:nvPr/>
+        </p:nvPicPr>
+        <p:blipFill>
+          <a:blip r:embed="rId2">
+            <a:extLst>
+              <a:ext uri="{28A0092B-C50C-407E-A947-70E740481C1C}">
+                <a14:useLocalDpi xmlns:a14="http://schemas.microsoft.com/office/drawing/2010/main" val="0"/>
+              </a:ext>
+            </a:extLst>
+          </a:blip>
+          <a:stretch>
+            <a:fillRect/>
+          </a:stretch>
+        </p:blipFill>
+        <p:spPr>
+          <a:xfrm>
+            <a:off x="1677798" y="1216709"/>
+            <a:ext cx="7936465" cy="5518417"/>
+          </a:xfrm>
+          <a:prstGeom prst="rect">
+            <a:avLst/>
+          </a:prstGeom>
+        </p:spPr>
+      </p:pic>
+    </p:spTree>
+    <p:extLst>
+      <p:ext uri="{BB962C8B-B14F-4D97-AF65-F5344CB8AC3E}">
+        <p14:creationId xmlns:p14="http://schemas.microsoft.com/office/powerpoint/2010/main" val="1124941786"/>
+      </p:ext>
+    </p:extLst>
+  </p:cSld>
+  <p:clrMapOvr>
+    <a:masterClrMapping/>
+  </p:clrMapOvr>
+</p:sld>
+</file>
+
+<file path=ppt/slides/slide11.xml><?xml version="1.0" encoding="utf-8"?>
+<p:sld xmlns:a="http://schemas.openxmlformats.org/drawingml/2006/main" xmlns:r="http://schemas.openxmlformats.org/officeDocument/2006/relationships" xmlns:p="http://schemas.openxmlformats.org/presentationml/2006/main">
+  <p:cSld>
+    <p:spTree>
+      <p:nvGrpSpPr>
+        <p:cNvPr id="1" name=""/>
+        <p:cNvGrpSpPr/>
+        <p:nvPr/>
+      </p:nvGrpSpPr>
+      <p:grpSpPr>
+        <a:xfrm>
+          <a:off x="0" y="0"/>
+          <a:ext cx="0" cy="0"/>
+          <a:chOff x="0" y="0"/>
+          <a:chExt cx="0" cy="0"/>
+        </a:xfrm>
+      </p:grpSpPr>
+      <p:sp>
+        <p:nvSpPr>
+          <p:cNvPr id="4" name="Titolo 1">
+            <a:extLst>
+              <a:ext uri="{FF2B5EF4-FFF2-40B4-BE49-F238E27FC236}">
+                <a16:creationId xmlns:a16="http://schemas.microsoft.com/office/drawing/2014/main" id="{6C47DD16-E31B-4AC3-B994-FAE2A569D893}"/>
+              </a:ext>
+            </a:extLst>
+          </p:cNvPr>
+          <p:cNvSpPr>
+            <a:spLocks noGrp="1"/>
+          </p:cNvSpPr>
+          <p:nvPr>
+            <p:ph type="title"/>
+          </p:nvPr>
+        </p:nvSpPr>
+        <p:spPr>
+          <a:xfrm>
+            <a:off x="838200" y="365125"/>
+            <a:ext cx="10515600" cy="717055"/>
+          </a:xfrm>
+        </p:spPr>
+        <p:txBody>
+          <a:bodyPr/>
+          <a:lstStyle/>
+          <a:p>
+            <a:r>
+              <a:rPr lang="en-US" dirty="0"/>
+              <a:t>Sequence diagram: </a:t>
+            </a:r>
+            <a:r>
+              <a:rPr lang="en-US" dirty="0" err="1"/>
+              <a:t>crea</a:t>
+            </a:r>
+            <a:r>
+              <a:rPr lang="en-US" dirty="0"/>
+              <a:t> </a:t>
+            </a:r>
+            <a:r>
+              <a:rPr lang="en-US" dirty="0" err="1"/>
+              <a:t>nuova</a:t>
+            </a:r>
+            <a:r>
+              <a:rPr lang="en-US" dirty="0"/>
+              <a:t> playlist</a:t>
+            </a:r>
+          </a:p>
+        </p:txBody>
+      </p:sp>
+      <p:pic>
+        <p:nvPicPr>
+          <p:cNvPr id="6" name="Immagine 5">
+            <a:extLst>
+              <a:ext uri="{FF2B5EF4-FFF2-40B4-BE49-F238E27FC236}">
+                <a16:creationId xmlns:a16="http://schemas.microsoft.com/office/drawing/2014/main" id="{6EAC8442-2811-4B94-84C5-5FD345A6D382}"/>
+              </a:ext>
+            </a:extLst>
+          </p:cNvPr>
+          <p:cNvPicPr>
+            <a:picLocks noChangeAspect="1"/>
+          </p:cNvPicPr>
+          <p:nvPr/>
+        </p:nvPicPr>
+        <p:blipFill>
+          <a:blip r:embed="rId2">
+            <a:extLst>
+              <a:ext uri="{28A0092B-C50C-407E-A947-70E740481C1C}">
+                <a14:useLocalDpi xmlns:a14="http://schemas.microsoft.com/office/drawing/2010/main" val="0"/>
+              </a:ext>
+            </a:extLst>
+          </a:blip>
+          <a:stretch>
+            <a:fillRect/>
+          </a:stretch>
+        </p:blipFill>
+        <p:spPr>
+          <a:xfrm>
+            <a:off x="2281382" y="1233487"/>
+            <a:ext cx="7296727" cy="5073592"/>
+          </a:xfrm>
+          <a:prstGeom prst="rect">
+            <a:avLst/>
+          </a:prstGeom>
+        </p:spPr>
+      </p:pic>
+    </p:spTree>
+    <p:extLst>
+      <p:ext uri="{BB962C8B-B14F-4D97-AF65-F5344CB8AC3E}">
+        <p14:creationId xmlns:p14="http://schemas.microsoft.com/office/powerpoint/2010/main" val="2589009863"/>
+      </p:ext>
+    </p:extLst>
+  </p:cSld>
+  <p:clrMapOvr>
+    <a:masterClrMapping/>
+  </p:clrMapOvr>
+</p:sld>
+</file>
+
+<file path=ppt/slides/slide12.xml><?xml version="1.0" encoding="utf-8"?>
+<p:sld xmlns:a="http://schemas.openxmlformats.org/drawingml/2006/main" xmlns:r="http://schemas.openxmlformats.org/officeDocument/2006/relationships" xmlns:p="http://schemas.openxmlformats.org/presentationml/2006/main">
+  <p:cSld>
+    <p:spTree>
+      <p:nvGrpSpPr>
+        <p:cNvPr id="1" name=""/>
+        <p:cNvGrpSpPr/>
+        <p:nvPr/>
+      </p:nvGrpSpPr>
+      <p:grpSpPr>
+        <a:xfrm>
+          <a:off x="0" y="0"/>
+          <a:ext cx="0" cy="0"/>
+          <a:chOff x="0" y="0"/>
+          <a:chExt cx="0" cy="0"/>
+        </a:xfrm>
+      </p:grpSpPr>
+      <p:sp>
+        <p:nvSpPr>
+          <p:cNvPr id="4" name="Titolo 1">
+            <a:extLst>
+              <a:ext uri="{FF2B5EF4-FFF2-40B4-BE49-F238E27FC236}">
+                <a16:creationId xmlns:a16="http://schemas.microsoft.com/office/drawing/2014/main" id="{15661234-804F-43C6-A9C2-D311DB195050}"/>
+              </a:ext>
+            </a:extLst>
+          </p:cNvPr>
+          <p:cNvSpPr>
+            <a:spLocks noGrp="1"/>
+          </p:cNvSpPr>
+          <p:nvPr>
+            <p:ph type="title"/>
+          </p:nvPr>
+        </p:nvSpPr>
+        <p:spPr>
+          <a:xfrm>
+            <a:off x="838200" y="365125"/>
+            <a:ext cx="10515600" cy="717055"/>
+          </a:xfrm>
+        </p:spPr>
+        <p:txBody>
+          <a:bodyPr/>
+          <a:lstStyle/>
+          <a:p>
+            <a:r>
+              <a:rPr lang="en-US" dirty="0"/>
+              <a:t>Sequence diagram: </a:t>
+            </a:r>
+            <a:r>
+              <a:rPr lang="en-US" dirty="0" err="1"/>
+              <a:t>vai</a:t>
+            </a:r>
+            <a:r>
+              <a:rPr lang="en-US" dirty="0"/>
+              <a:t> </a:t>
+            </a:r>
+            <a:r>
+              <a:rPr lang="en-US" dirty="0" err="1"/>
+              <a:t>alla</a:t>
+            </a:r>
+            <a:r>
+              <a:rPr lang="en-US" dirty="0"/>
+              <a:t> playlist page</a:t>
+            </a:r>
+          </a:p>
+        </p:txBody>
+      </p:sp>
+      <p:pic>
+        <p:nvPicPr>
+          <p:cNvPr id="6" name="Immagine 5">
+            <a:extLst>
+              <a:ext uri="{FF2B5EF4-FFF2-40B4-BE49-F238E27FC236}">
+                <a16:creationId xmlns:a16="http://schemas.microsoft.com/office/drawing/2014/main" id="{F39F6273-61CB-4F09-A89B-5254C75F16D1}"/>
+              </a:ext>
+            </a:extLst>
+          </p:cNvPr>
+          <p:cNvPicPr>
+            <a:picLocks noChangeAspect="1"/>
+          </p:cNvPicPr>
+          <p:nvPr/>
+        </p:nvPicPr>
+        <p:blipFill>
+          <a:blip r:embed="rId2">
+            <a:extLst>
+              <a:ext uri="{28A0092B-C50C-407E-A947-70E740481C1C}">
+                <a14:useLocalDpi xmlns:a14="http://schemas.microsoft.com/office/drawing/2010/main" val="0"/>
+              </a:ext>
+            </a:extLst>
+          </a:blip>
+          <a:srcRect/>
+          <a:stretch/>
+        </p:blipFill>
+        <p:spPr>
+          <a:xfrm>
+            <a:off x="1845578" y="1216404"/>
+            <a:ext cx="7932065" cy="4865277"/>
+          </a:xfrm>
+          <a:prstGeom prst="rect">
+            <a:avLst/>
+          </a:prstGeom>
+        </p:spPr>
+      </p:pic>
+    </p:spTree>
+    <p:extLst>
+      <p:ext uri="{BB962C8B-B14F-4D97-AF65-F5344CB8AC3E}">
+        <p14:creationId xmlns:p14="http://schemas.microsoft.com/office/powerpoint/2010/main" val="807717614"/>
+      </p:ext>
+    </p:extLst>
+  </p:cSld>
+  <p:clrMapOvr>
+    <a:masterClrMapping/>
+  </p:clrMapOvr>
+</p:sld>
+</file>
+
 <file path=ppt/slides/slide2.xml><?xml version="1.0" encoding="utf-8"?>
 <p:sld xmlns:a="http://schemas.openxmlformats.org/drawingml/2006/main" xmlns:r="http://schemas.openxmlformats.org/officeDocument/2006/relationships" xmlns:p="http://schemas.openxmlformats.org/presentationml/2006/main">
   <p:cSld>
@@ -3999,7 +4340,7 @@
         <p:spPr>
           <a:xfrm>
             <a:off x="6095999" y="1513861"/>
-            <a:ext cx="5257800" cy="3539430"/>
+            <a:ext cx="5257800" cy="2800767"/>
           </a:xfrm>
           <a:prstGeom prst="rect">
             <a:avLst/>
@@ -4098,43 +4439,7 @@
           <a:p>
             <a:r>
               <a:rPr lang="en-US" sz="1600" dirty="0"/>
-              <a:t>PRIMARY KEY (`id`),  </a:t>
-            </a:r>
-          </a:p>
-          <a:p>
-            <a:r>
-              <a:rPr lang="en-US" sz="1600" dirty="0"/>
-              <a:t>KEY `</a:t>
-            </a:r>
-            <a:r>
-              <a:rPr lang="en-US" sz="1600" dirty="0" err="1"/>
-              <a:t>user_id_idx</a:t>
-            </a:r>
-            <a:r>
-              <a:rPr lang="en-US" sz="1600" dirty="0"/>
-              <a:t>` (`</a:t>
-            </a:r>
-            <a:r>
-              <a:rPr lang="en-US" sz="1600" dirty="0" err="1"/>
-              <a:t>user_id</a:t>
-            </a:r>
-            <a:r>
-              <a:rPr lang="en-US" sz="1600" dirty="0"/>
-              <a:t>`),  </a:t>
-            </a:r>
-          </a:p>
-          <a:p>
-            <a:r>
-              <a:rPr lang="en-US" sz="1600" dirty="0"/>
-              <a:t>CONSTRAINT `owner` FOREIGN KEY (`</a:t>
-            </a:r>
-            <a:r>
-              <a:rPr lang="en-US" sz="1600" dirty="0" err="1"/>
-              <a:t>user_id</a:t>
-            </a:r>
-            <a:r>
-              <a:rPr lang="en-US" sz="1600" dirty="0"/>
-              <a:t>`) REFERENCES `user` (`id`))</a:t>
+              <a:t>PRIMARY KEY (`id`))</a:t>
             </a:r>
           </a:p>
         </p:txBody>
@@ -4915,6 +5220,69 @@
                   <a:srgbClr val="FF0000"/>
                 </a:solidFill>
               </a:rPr>
+              <a:t> </a:t>
+            </a:r>
+            <a:r>
+              <a:rPr lang="en-US" sz="1800" dirty="0" err="1">
+                <a:solidFill>
+                  <a:srgbClr val="FF0000"/>
+                </a:solidFill>
+              </a:rPr>
+              <a:t>iniziale</a:t>
+            </a:r>
+            <a:r>
+              <a:rPr lang="en-US" sz="1800" dirty="0">
+                <a:solidFill>
+                  <a:srgbClr val="FF0000"/>
+                </a:solidFill>
+              </a:rPr>
+              <a:t> </a:t>
+            </a:r>
+            <a:r>
+              <a:rPr lang="en-US" sz="1800" dirty="0"/>
+              <a:t>per far </a:t>
+            </a:r>
+            <a:r>
+              <a:rPr lang="en-US" sz="1800" dirty="0" err="1"/>
+              <a:t>partire</a:t>
+            </a:r>
+            <a:r>
+              <a:rPr lang="en-US" sz="1800" dirty="0"/>
+              <a:t> </a:t>
+            </a:r>
+            <a:r>
+              <a:rPr lang="en-US" sz="1800" dirty="0" err="1"/>
+              <a:t>l’applicazione</a:t>
+            </a:r>
+            <a:endParaRPr lang="en-US" sz="1800" dirty="0"/>
+          </a:p>
+          <a:p>
+            <a:r>
+              <a:rPr lang="en-US" sz="1800" dirty="0"/>
+              <a:t>E’ </a:t>
+            </a:r>
+            <a:r>
+              <a:rPr lang="en-US" sz="1800" dirty="0" err="1"/>
+              <a:t>presente</a:t>
+            </a:r>
+            <a:r>
+              <a:rPr lang="en-US" sz="1800" dirty="0"/>
+              <a:t> una </a:t>
+            </a:r>
+            <a:r>
+              <a:rPr lang="en-US" sz="1800" dirty="0" err="1">
+                <a:solidFill>
+                  <a:srgbClr val="FF0000"/>
+                </a:solidFill>
+              </a:rPr>
+              <a:t>pagina</a:t>
+            </a:r>
+            <a:r>
+              <a:rPr lang="en-US" sz="1800" dirty="0">
+                <a:solidFill>
+                  <a:srgbClr val="FF0000"/>
+                </a:solidFill>
+              </a:rPr>
               <a:t> di login</a:t>
             </a:r>
           </a:p>
@@ -4994,7 +5362,159 @@
               </a:rPr>
               <a:t>eliminare canzoni</a:t>
             </a:r>
-            <a:endParaRPr lang="en-US" sz="1800" dirty="0"/>
+          </a:p>
+          <a:p>
+            <a:r>
+              <a:rPr lang="en-US" sz="1800" dirty="0"/>
+              <a:t>Nel form per </a:t>
+            </a:r>
+            <a:r>
+              <a:rPr lang="en-US" sz="1800" dirty="0" err="1"/>
+              <a:t>caricare</a:t>
+            </a:r>
+            <a:r>
+              <a:rPr lang="en-US" sz="1800" dirty="0"/>
+              <a:t> una canzone, il </a:t>
+            </a:r>
+            <a:r>
+              <a:rPr lang="en-US" sz="1800" dirty="0" err="1"/>
+              <a:t>titolo</a:t>
+            </a:r>
+            <a:r>
+              <a:rPr lang="en-US" sz="1800" dirty="0"/>
+              <a:t> e il file audio </a:t>
+            </a:r>
+            <a:r>
+              <a:rPr lang="en-US" sz="1800" dirty="0" err="1"/>
+              <a:t>sono</a:t>
+            </a:r>
+            <a:r>
+              <a:rPr lang="en-US" sz="1800" dirty="0"/>
+              <a:t> </a:t>
+            </a:r>
+            <a:r>
+              <a:rPr lang="en-US" sz="1800" dirty="0" err="1"/>
+              <a:t>necessari</a:t>
+            </a:r>
+            <a:r>
+              <a:rPr lang="en-US" sz="1800" dirty="0"/>
+              <a:t>, </a:t>
+            </a:r>
+            <a:r>
+              <a:rPr lang="en-US" sz="1800" dirty="0" err="1"/>
+              <a:t>gli</a:t>
+            </a:r>
+            <a:r>
+              <a:rPr lang="en-US" sz="1800" dirty="0"/>
+              <a:t> </a:t>
+            </a:r>
+            <a:r>
+              <a:rPr lang="en-US" sz="1800" dirty="0" err="1"/>
+              <a:t>altri</a:t>
+            </a:r>
+            <a:r>
+              <a:rPr lang="en-US" sz="1800" dirty="0"/>
+              <a:t> </a:t>
+            </a:r>
+            <a:r>
+              <a:rPr lang="en-US" sz="1800" dirty="0" err="1"/>
+              <a:t>attributi</a:t>
+            </a:r>
+            <a:r>
+              <a:rPr lang="en-US" sz="1800" dirty="0"/>
+              <a:t> </a:t>
+            </a:r>
+            <a:r>
+              <a:rPr lang="en-US" sz="1800" dirty="0" err="1"/>
+              <a:t>invece</a:t>
+            </a:r>
+            <a:r>
+              <a:rPr lang="en-US" sz="1800" dirty="0"/>
+              <a:t> </a:t>
+            </a:r>
+            <a:r>
+              <a:rPr lang="en-US" sz="1800" dirty="0" err="1"/>
+              <a:t>possono</a:t>
+            </a:r>
+            <a:r>
+              <a:rPr lang="en-US" sz="1800" dirty="0"/>
+              <a:t> non </a:t>
+            </a:r>
+            <a:r>
+              <a:rPr lang="en-US" sz="1800" dirty="0" err="1"/>
+              <a:t>essere</a:t>
+            </a:r>
+            <a:r>
+              <a:rPr lang="en-US" sz="1800" dirty="0"/>
+              <a:t> </a:t>
+            </a:r>
+            <a:r>
+              <a:rPr lang="en-US" sz="1800" dirty="0" err="1"/>
+              <a:t>inseriti</a:t>
+            </a:r>
+            <a:r>
+              <a:rPr lang="en-US" sz="1800" dirty="0"/>
+              <a:t> </a:t>
+            </a:r>
+            <a:r>
+              <a:rPr lang="en-US" sz="1800" dirty="0" err="1"/>
+              <a:t>dall’utente</a:t>
+            </a:r>
+            <a:r>
+              <a:rPr lang="en-US" sz="1800" dirty="0"/>
+              <a:t> e </a:t>
+            </a:r>
+            <a:r>
+              <a:rPr lang="en-US" sz="1800" dirty="0" err="1"/>
+              <a:t>vengono</a:t>
+            </a:r>
+            <a:r>
+              <a:rPr lang="en-US" sz="1800" dirty="0"/>
+              <a:t> </a:t>
+            </a:r>
+            <a:r>
+              <a:rPr lang="en-US" sz="1800" dirty="0" err="1"/>
+              <a:t>sostituiti</a:t>
+            </a:r>
+            <a:r>
+              <a:rPr lang="en-US" sz="1800" dirty="0"/>
+              <a:t> </a:t>
+            </a:r>
+            <a:r>
+              <a:rPr lang="en-US" sz="1800" dirty="0" err="1"/>
+              <a:t>lato</a:t>
+            </a:r>
+            <a:r>
+              <a:rPr lang="en-US" sz="1800" dirty="0"/>
+              <a:t> server con “</a:t>
+            </a:r>
+            <a:r>
+              <a:rPr lang="en-US" sz="1800" dirty="0" err="1"/>
+              <a:t>autore</a:t>
+            </a:r>
+            <a:r>
+              <a:rPr lang="en-US" sz="1800" dirty="0"/>
+              <a:t> </a:t>
+            </a:r>
+            <a:r>
+              <a:rPr lang="en-US" sz="1800" dirty="0" err="1"/>
+              <a:t>sconosciuto</a:t>
+            </a:r>
+            <a:r>
+              <a:rPr lang="en-US" sz="1800" dirty="0"/>
+              <a:t>”, “album </a:t>
+            </a:r>
+            <a:r>
+              <a:rPr lang="en-US" sz="1800" dirty="0" err="1"/>
+              <a:t>sconosciuto</a:t>
+            </a:r>
+            <a:r>
+              <a:rPr lang="en-US" sz="1800" dirty="0"/>
+              <a:t>”…..</a:t>
+            </a:r>
+          </a:p>
+          <a:p>
+            <a:endParaRPr lang="en-US" sz="1800" u="sng" dirty="0"/>
           </a:p>
         </p:txBody>
       </p:sp>
@@ -5731,6 +6251,219 @@
     <p:extLst>
       <p:ext uri="{BB962C8B-B14F-4D97-AF65-F5344CB8AC3E}">
         <p14:creationId xmlns:p14="http://schemas.microsoft.com/office/powerpoint/2010/main" val="3514807712"/>
+      </p:ext>
+    </p:extLst>
+  </p:cSld>
+  <p:clrMapOvr>
+    <a:masterClrMapping/>
+  </p:clrMapOvr>
+</p:sld>
+</file>
+
+<file path=ppt/slides/slide8.xml><?xml version="1.0" encoding="utf-8"?>
+<p:sld xmlns:a="http://schemas.openxmlformats.org/drawingml/2006/main" xmlns:r="http://schemas.openxmlformats.org/officeDocument/2006/relationships" xmlns:p="http://schemas.openxmlformats.org/presentationml/2006/main">
+  <p:cSld>
+    <p:spTree>
+      <p:nvGrpSpPr>
+        <p:cNvPr id="1" name=""/>
+        <p:cNvGrpSpPr/>
+        <p:nvPr/>
+      </p:nvGrpSpPr>
+      <p:grpSpPr>
+        <a:xfrm>
+          <a:off x="0" y="0"/>
+          <a:ext cx="0" cy="0"/>
+          <a:chOff x="0" y="0"/>
+          <a:chExt cx="0" cy="0"/>
+        </a:xfrm>
+      </p:grpSpPr>
+      <p:sp>
+        <p:nvSpPr>
+          <p:cNvPr id="2" name="Titolo 1">
+            <a:extLst>
+              <a:ext uri="{FF2B5EF4-FFF2-40B4-BE49-F238E27FC236}">
+                <a16:creationId xmlns:a16="http://schemas.microsoft.com/office/drawing/2014/main" id="{59D5893A-D554-4B7A-BF84-182044423A9A}"/>
+              </a:ext>
+            </a:extLst>
+          </p:cNvPr>
+          <p:cNvSpPr>
+            <a:spLocks noGrp="1"/>
+          </p:cNvSpPr>
+          <p:nvPr>
+            <p:ph type="title"/>
+          </p:nvPr>
+        </p:nvSpPr>
+        <p:spPr>
+          <a:xfrm>
+            <a:off x="838200" y="365125"/>
+            <a:ext cx="10515600" cy="717055"/>
+          </a:xfrm>
+        </p:spPr>
+        <p:txBody>
+          <a:bodyPr/>
+          <a:lstStyle/>
+          <a:p>
+            <a:r>
+              <a:rPr lang="en-US" dirty="0"/>
+              <a:t>Sequence diagram: login</a:t>
+            </a:r>
+          </a:p>
+        </p:txBody>
+      </p:sp>
+      <p:pic>
+        <p:nvPicPr>
+          <p:cNvPr id="5" name="Immagine 4">
+            <a:extLst>
+              <a:ext uri="{FF2B5EF4-FFF2-40B4-BE49-F238E27FC236}">
+                <a16:creationId xmlns:a16="http://schemas.microsoft.com/office/drawing/2014/main" id="{D06DB84C-946C-4ADC-AEF7-BCC4EF3F392F}"/>
+              </a:ext>
+            </a:extLst>
+          </p:cNvPr>
+          <p:cNvPicPr>
+            <a:picLocks noChangeAspect="1"/>
+          </p:cNvPicPr>
+          <p:nvPr/>
+        </p:nvPicPr>
+        <p:blipFill>
+          <a:blip r:embed="rId2">
+            <a:extLst>
+              <a:ext uri="{28A0092B-C50C-407E-A947-70E740481C1C}">
+                <a14:useLocalDpi xmlns:a14="http://schemas.microsoft.com/office/drawing/2010/main" val="0"/>
+              </a:ext>
+            </a:extLst>
+          </a:blip>
+          <a:stretch>
+            <a:fillRect/>
+          </a:stretch>
+        </p:blipFill>
+        <p:spPr>
+          <a:xfrm>
+            <a:off x="2323595" y="1246785"/>
+            <a:ext cx="7544810" cy="5246090"/>
+          </a:xfrm>
+          <a:prstGeom prst="rect">
+            <a:avLst/>
+          </a:prstGeom>
+        </p:spPr>
+      </p:pic>
+    </p:spTree>
+    <p:extLst>
+      <p:ext uri="{BB962C8B-B14F-4D97-AF65-F5344CB8AC3E}">
+        <p14:creationId xmlns:p14="http://schemas.microsoft.com/office/powerpoint/2010/main" val="1981217215"/>
+      </p:ext>
+    </p:extLst>
+  </p:cSld>
+  <p:clrMapOvr>
+    <a:masterClrMapping/>
+  </p:clrMapOvr>
+</p:sld>
+</file>
+
+<file path=ppt/slides/slide9.xml><?xml version="1.0" encoding="utf-8"?>
+<p:sld xmlns:a="http://schemas.openxmlformats.org/drawingml/2006/main" xmlns:r="http://schemas.openxmlformats.org/officeDocument/2006/relationships" xmlns:p="http://schemas.openxmlformats.org/presentationml/2006/main">
+  <p:cSld>
+    <p:spTree>
+      <p:nvGrpSpPr>
+        <p:cNvPr id="1" name=""/>
+        <p:cNvGrpSpPr/>
+        <p:nvPr/>
+      </p:nvGrpSpPr>
+      <p:grpSpPr>
+        <a:xfrm>
+          <a:off x="0" y="0"/>
+          <a:ext cx="0" cy="0"/>
+          <a:chOff x="0" y="0"/>
+          <a:chExt cx="0" cy="0"/>
+        </a:xfrm>
+      </p:grpSpPr>
+      <p:sp>
+        <p:nvSpPr>
+          <p:cNvPr id="4" name="Titolo 1">
+            <a:extLst>
+              <a:ext uri="{FF2B5EF4-FFF2-40B4-BE49-F238E27FC236}">
+                <a16:creationId xmlns:a16="http://schemas.microsoft.com/office/drawing/2014/main" id="{C2629D4C-91BC-48FD-91E7-F5AA0D72DB3F}"/>
+              </a:ext>
+            </a:extLst>
+          </p:cNvPr>
+          <p:cNvSpPr>
+            <a:spLocks noGrp="1"/>
+          </p:cNvSpPr>
+          <p:nvPr>
+            <p:ph type="title"/>
+          </p:nvPr>
+        </p:nvSpPr>
+        <p:spPr>
+          <a:xfrm>
+            <a:off x="838200" y="365125"/>
+            <a:ext cx="10515600" cy="717055"/>
+          </a:xfrm>
+        </p:spPr>
+        <p:txBody>
+          <a:bodyPr/>
+          <a:lstStyle/>
+          <a:p>
+            <a:r>
+              <a:rPr lang="en-US" dirty="0"/>
+              <a:t>Sequence diagram: </a:t>
+            </a:r>
+            <a:r>
+              <a:rPr lang="en-US" dirty="0" err="1"/>
+              <a:t>vai</a:t>
+            </a:r>
+            <a:r>
+              <a:rPr lang="en-US" dirty="0"/>
+              <a:t> </a:t>
+            </a:r>
+            <a:r>
+              <a:rPr lang="en-US" dirty="0" err="1"/>
+              <a:t>alla</a:t>
+            </a:r>
+            <a:r>
+              <a:rPr lang="en-US" dirty="0"/>
+              <a:t> home page</a:t>
+            </a:r>
+          </a:p>
+        </p:txBody>
+      </p:sp>
+      <p:pic>
+        <p:nvPicPr>
+          <p:cNvPr id="6" name="Immagine 5">
+            <a:extLst>
+              <a:ext uri="{FF2B5EF4-FFF2-40B4-BE49-F238E27FC236}">
+                <a16:creationId xmlns:a16="http://schemas.microsoft.com/office/drawing/2014/main" id="{5483BD30-D721-448B-BB36-8B58A61B397E}"/>
+              </a:ext>
+            </a:extLst>
+          </p:cNvPr>
+          <p:cNvPicPr>
+            <a:picLocks noChangeAspect="1"/>
+          </p:cNvPicPr>
+          <p:nvPr/>
+        </p:nvPicPr>
+        <p:blipFill>
+          <a:blip r:embed="rId2">
+            <a:extLst>
+              <a:ext uri="{28A0092B-C50C-407E-A947-70E740481C1C}">
+                <a14:useLocalDpi xmlns:a14="http://schemas.microsoft.com/office/drawing/2010/main" val="0"/>
+              </a:ext>
+            </a:extLst>
+          </a:blip>
+          <a:srcRect/>
+          <a:stretch/>
+        </p:blipFill>
+        <p:spPr>
+          <a:xfrm>
+            <a:off x="2172750" y="1233487"/>
+            <a:ext cx="7080788" cy="4923443"/>
+          </a:xfrm>
+          <a:prstGeom prst="rect">
+            <a:avLst/>
+          </a:prstGeom>
+        </p:spPr>
+      </p:pic>
+    </p:spTree>
+    <p:extLst>
+      <p:ext uri="{BB962C8B-B14F-4D97-AF65-F5344CB8AC3E}">
+        <p14:creationId xmlns:p14="http://schemas.microsoft.com/office/powerpoint/2010/main" val="2823907009"/>
       </p:ext>
     </p:extLst>
   </p:cSld>
